--- a/materials/素材.pptx
+++ b/materials/素材.pptx
@@ -288,7 +288,7 @@
           <a:p>
             <a:fld id="{834BE203-C05F-AD46-A04F-10204FC174DF}" type="datetimeFigureOut">
               <a:rPr kumimoji="1" lang="ja-JP" altLang="en-US" smtClean="0"/>
-              <a:t>18/09/27</a:t>
+              <a:t>18/10/02</a:t>
             </a:fld>
             <a:endParaRPr kumimoji="1" lang="ja-JP" altLang="en-US"/>
           </a:p>
@@ -490,7 +490,7 @@
           <a:p>
             <a:fld id="{834BE203-C05F-AD46-A04F-10204FC174DF}" type="datetimeFigureOut">
               <a:rPr kumimoji="1" lang="ja-JP" altLang="en-US" smtClean="0"/>
-              <a:t>18/09/27</a:t>
+              <a:t>18/10/02</a:t>
             </a:fld>
             <a:endParaRPr kumimoji="1" lang="ja-JP" altLang="en-US"/>
           </a:p>
@@ -702,7 +702,7 @@
           <a:p>
             <a:fld id="{834BE203-C05F-AD46-A04F-10204FC174DF}" type="datetimeFigureOut">
               <a:rPr kumimoji="1" lang="ja-JP" altLang="en-US" smtClean="0"/>
-              <a:t>18/09/27</a:t>
+              <a:t>18/10/02</a:t>
             </a:fld>
             <a:endParaRPr kumimoji="1" lang="ja-JP" altLang="en-US"/>
           </a:p>
@@ -904,7 +904,7 @@
           <a:p>
             <a:fld id="{834BE203-C05F-AD46-A04F-10204FC174DF}" type="datetimeFigureOut">
               <a:rPr kumimoji="1" lang="ja-JP" altLang="en-US" smtClean="0"/>
-              <a:t>18/09/27</a:t>
+              <a:t>18/10/02</a:t>
             </a:fld>
             <a:endParaRPr kumimoji="1" lang="ja-JP" altLang="en-US"/>
           </a:p>
@@ -1150,7 +1150,7 @@
           <a:p>
             <a:fld id="{834BE203-C05F-AD46-A04F-10204FC174DF}" type="datetimeFigureOut">
               <a:rPr kumimoji="1" lang="ja-JP" altLang="en-US" smtClean="0"/>
-              <a:t>18/09/27</a:t>
+              <a:t>18/10/02</a:t>
             </a:fld>
             <a:endParaRPr kumimoji="1" lang="ja-JP" altLang="en-US"/>
           </a:p>
@@ -1502,7 +1502,7 @@
           <a:p>
             <a:fld id="{834BE203-C05F-AD46-A04F-10204FC174DF}" type="datetimeFigureOut">
               <a:rPr kumimoji="1" lang="ja-JP" altLang="en-US" smtClean="0"/>
-              <a:t>18/09/27</a:t>
+              <a:t>18/10/02</a:t>
             </a:fld>
             <a:endParaRPr kumimoji="1" lang="ja-JP" altLang="en-US"/>
           </a:p>
@@ -1988,7 +1988,7 @@
           <a:p>
             <a:fld id="{834BE203-C05F-AD46-A04F-10204FC174DF}" type="datetimeFigureOut">
               <a:rPr kumimoji="1" lang="ja-JP" altLang="en-US" smtClean="0"/>
-              <a:t>18/09/27</a:t>
+              <a:t>18/10/02</a:t>
             </a:fld>
             <a:endParaRPr kumimoji="1" lang="ja-JP" altLang="en-US"/>
           </a:p>
@@ -2106,7 +2106,7 @@
           <a:p>
             <a:fld id="{834BE203-C05F-AD46-A04F-10204FC174DF}" type="datetimeFigureOut">
               <a:rPr kumimoji="1" lang="ja-JP" altLang="en-US" smtClean="0"/>
-              <a:t>18/09/27</a:t>
+              <a:t>18/10/02</a:t>
             </a:fld>
             <a:endParaRPr kumimoji="1" lang="ja-JP" altLang="en-US"/>
           </a:p>
@@ -2201,7 +2201,7 @@
           <a:p>
             <a:fld id="{834BE203-C05F-AD46-A04F-10204FC174DF}" type="datetimeFigureOut">
               <a:rPr kumimoji="1" lang="ja-JP" altLang="en-US" smtClean="0"/>
-              <a:t>18/09/27</a:t>
+              <a:t>18/10/02</a:t>
             </a:fld>
             <a:endParaRPr kumimoji="1" lang="ja-JP" altLang="en-US"/>
           </a:p>
@@ -2510,7 +2510,7 @@
           <a:p>
             <a:fld id="{834BE203-C05F-AD46-A04F-10204FC174DF}" type="datetimeFigureOut">
               <a:rPr kumimoji="1" lang="ja-JP" altLang="en-US" smtClean="0"/>
-              <a:t>18/09/27</a:t>
+              <a:t>18/10/02</a:t>
             </a:fld>
             <a:endParaRPr kumimoji="1" lang="ja-JP" altLang="en-US"/>
           </a:p>
@@ -2763,7 +2763,7 @@
           <a:p>
             <a:fld id="{834BE203-C05F-AD46-A04F-10204FC174DF}" type="datetimeFigureOut">
               <a:rPr kumimoji="1" lang="ja-JP" altLang="en-US" smtClean="0"/>
-              <a:t>18/09/27</a:t>
+              <a:t>18/10/02</a:t>
             </a:fld>
             <a:endParaRPr kumimoji="1" lang="ja-JP" altLang="en-US"/>
           </a:p>
@@ -3008,7 +3008,7 @@
           <a:p>
             <a:fld id="{834BE203-C05F-AD46-A04F-10204FC174DF}" type="datetimeFigureOut">
               <a:rPr kumimoji="1" lang="ja-JP" altLang="en-US" smtClean="0"/>
-              <a:t>18/09/27</a:t>
+              <a:t>18/10/02</a:t>
             </a:fld>
             <a:endParaRPr kumimoji="1" lang="ja-JP" altLang="en-US"/>
           </a:p>
@@ -3450,25 +3450,9 @@
           <a:prstGeom prst="ellipse">
             <a:avLst/>
           </a:prstGeom>
-          <a:gradFill>
-            <a:gsLst>
-              <a:gs pos="0">
-                <a:srgbClr val="FF0000"/>
-              </a:gs>
-              <a:gs pos="100000">
-                <a:srgbClr val="0000FF"/>
-              </a:gs>
-              <a:gs pos="50000">
-                <a:srgbClr val="008000"/>
-              </a:gs>
-              <a:gs pos="27000">
-                <a:srgbClr val="FFFF00"/>
-              </a:gs>
-              <a:gs pos="76000">
-                <a:srgbClr val="3366FF"/>
-              </a:gs>
-            </a:gsLst>
-          </a:gradFill>
+          <a:solidFill>
+            <a:schemeClr val="tx1"/>
+          </a:solidFill>
           <a:ln>
             <a:noFill/>
           </a:ln>
